--- a/Королев Загайнов Христофоров/Lab1/1_laba.pptx
+++ b/Королев Загайнов Христофоров/Lab1/1_laba.pptx
@@ -109,6 +109,11 @@
       </a:defRPr>
     </a:lvl9pPr>
   </p:defaultTextStyle>
+  <p:extLst>
+    <p:ext uri="{EFAFB233-063F-42B5-8137-9DF3F51BA10A}">
+      <p15:sldGuideLst xmlns:p15="http://schemas.microsoft.com/office/powerpoint/2012/main"/>
+    </p:ext>
+  </p:extLst>
 </p:presentation>
 </file>
 
@@ -447,7 +452,7 @@
           <a:p>
             <a:fld id="{129C0470-74E0-45ED-BE25-7B38F919DAF7}" type="datetimeFigureOut">
               <a:rPr lang="ru-RU" smtClean="0"/>
-              <a:t>22.11.2021</a:t>
+              <a:t>03.12.2021</a:t>
             </a:fld>
             <a:endParaRPr lang="ru-RU"/>
           </a:p>
@@ -1535,7 +1540,7 @@
           <a:p>
             <a:fld id="{129C0470-74E0-45ED-BE25-7B38F919DAF7}" type="datetimeFigureOut">
               <a:rPr lang="ru-RU" smtClean="0"/>
-              <a:t>22.11.2021</a:t>
+              <a:t>03.12.2021</a:t>
             </a:fld>
             <a:endParaRPr lang="ru-RU"/>
           </a:p>
@@ -2515,7 +2520,7 @@
           <a:p>
             <a:fld id="{129C0470-74E0-45ED-BE25-7B38F919DAF7}" type="datetimeFigureOut">
               <a:rPr lang="ru-RU" smtClean="0"/>
-              <a:t>22.11.2021</a:t>
+              <a:t>03.12.2021</a:t>
             </a:fld>
             <a:endParaRPr lang="ru-RU"/>
           </a:p>
@@ -3649,7 +3654,7 @@
           <a:p>
             <a:fld id="{129C0470-74E0-45ED-BE25-7B38F919DAF7}" type="datetimeFigureOut">
               <a:rPr lang="ru-RU" smtClean="0"/>
-              <a:t>22.11.2021</a:t>
+              <a:t>03.12.2021</a:t>
             </a:fld>
             <a:endParaRPr lang="ru-RU"/>
           </a:p>
@@ -4682,7 +4687,7 @@
           <a:p>
             <a:fld id="{129C0470-74E0-45ED-BE25-7B38F919DAF7}" type="datetimeFigureOut">
               <a:rPr lang="ru-RU" smtClean="0"/>
-              <a:t>22.11.2021</a:t>
+              <a:t>03.12.2021</a:t>
             </a:fld>
             <a:endParaRPr lang="ru-RU"/>
           </a:p>
@@ -5342,7 +5347,7 @@
           <a:p>
             <a:fld id="{129C0470-74E0-45ED-BE25-7B38F919DAF7}" type="datetimeFigureOut">
               <a:rPr lang="ru-RU" smtClean="0"/>
-              <a:t>22.11.2021</a:t>
+              <a:t>03.12.2021</a:t>
             </a:fld>
             <a:endParaRPr lang="ru-RU"/>
           </a:p>
@@ -6203,7 +6208,7 @@
           <a:p>
             <a:fld id="{129C0470-74E0-45ED-BE25-7B38F919DAF7}" type="datetimeFigureOut">
               <a:rPr lang="ru-RU" smtClean="0"/>
-              <a:t>22.11.2021</a:t>
+              <a:t>03.12.2021</a:t>
             </a:fld>
             <a:endParaRPr lang="ru-RU"/>
           </a:p>
@@ -6393,7 +6398,7 @@
           <a:p>
             <a:fld id="{129C0470-74E0-45ED-BE25-7B38F919DAF7}" type="datetimeFigureOut">
               <a:rPr lang="ru-RU" smtClean="0"/>
-              <a:t>22.11.2021</a:t>
+              <a:t>03.12.2021</a:t>
             </a:fld>
             <a:endParaRPr lang="ru-RU"/>
           </a:p>
@@ -7365,7 +7370,7 @@
           <a:p>
             <a:fld id="{129C0470-74E0-45ED-BE25-7B38F919DAF7}" type="datetimeFigureOut">
               <a:rPr lang="ru-RU" smtClean="0"/>
-              <a:t>22.11.2021</a:t>
+              <a:t>03.12.2021</a:t>
             </a:fld>
             <a:endParaRPr lang="ru-RU"/>
           </a:p>
@@ -7576,7 +7581,7 @@
           <a:p>
             <a:fld id="{129C0470-74E0-45ED-BE25-7B38F919DAF7}" type="datetimeFigureOut">
               <a:rPr lang="ru-RU" smtClean="0"/>
-              <a:t>22.11.2021</a:t>
+              <a:t>03.12.2021</a:t>
             </a:fld>
             <a:endParaRPr lang="ru-RU"/>
           </a:p>
@@ -8610,7 +8615,7 @@
           <a:p>
             <a:fld id="{129C0470-74E0-45ED-BE25-7B38F919DAF7}" type="datetimeFigureOut">
               <a:rPr lang="ru-RU" smtClean="0"/>
-              <a:t>22.11.2021</a:t>
+              <a:t>03.12.2021</a:t>
             </a:fld>
             <a:endParaRPr lang="ru-RU"/>
           </a:p>
@@ -8882,7 +8887,7 @@
           <a:p>
             <a:fld id="{129C0470-74E0-45ED-BE25-7B38F919DAF7}" type="datetimeFigureOut">
               <a:rPr lang="ru-RU" smtClean="0"/>
-              <a:t>22.11.2021</a:t>
+              <a:t>03.12.2021</a:t>
             </a:fld>
             <a:endParaRPr lang="ru-RU"/>
           </a:p>
@@ -9292,7 +9297,7 @@
           <a:p>
             <a:fld id="{129C0470-74E0-45ED-BE25-7B38F919DAF7}" type="datetimeFigureOut">
               <a:rPr lang="ru-RU" smtClean="0"/>
-              <a:t>22.11.2021</a:t>
+              <a:t>03.12.2021</a:t>
             </a:fld>
             <a:endParaRPr lang="ru-RU"/>
           </a:p>
@@ -9419,7 +9424,7 @@
           <a:p>
             <a:fld id="{129C0470-74E0-45ED-BE25-7B38F919DAF7}" type="datetimeFigureOut">
               <a:rPr lang="ru-RU" smtClean="0"/>
-              <a:t>22.11.2021</a:t>
+              <a:t>03.12.2021</a:t>
             </a:fld>
             <a:endParaRPr lang="ru-RU"/>
           </a:p>
@@ -9514,7 +9519,7 @@
           <a:p>
             <a:fld id="{129C0470-74E0-45ED-BE25-7B38F919DAF7}" type="datetimeFigureOut">
               <a:rPr lang="ru-RU" smtClean="0"/>
-              <a:t>22.11.2021</a:t>
+              <a:t>03.12.2021</a:t>
             </a:fld>
             <a:endParaRPr lang="ru-RU"/>
           </a:p>
@@ -10595,7 +10600,7 @@
           <a:p>
             <a:fld id="{129C0470-74E0-45ED-BE25-7B38F919DAF7}" type="datetimeFigureOut">
               <a:rPr lang="ru-RU" smtClean="0"/>
-              <a:t>22.11.2021</a:t>
+              <a:t>03.12.2021</a:t>
             </a:fld>
             <a:endParaRPr lang="ru-RU"/>
           </a:p>
@@ -11703,7 +11708,7 @@
           <a:p>
             <a:fld id="{129C0470-74E0-45ED-BE25-7B38F919DAF7}" type="datetimeFigureOut">
               <a:rPr lang="ru-RU" smtClean="0"/>
-              <a:t>22.11.2021</a:t>
+              <a:t>03.12.2021</a:t>
             </a:fld>
             <a:endParaRPr lang="ru-RU"/>
           </a:p>
@@ -12700,7 +12705,7 @@
           <a:p>
             <a:fld id="{129C0470-74E0-45ED-BE25-7B38F919DAF7}" type="datetimeFigureOut">
               <a:rPr lang="ru-RU" smtClean="0"/>
-              <a:t>22.11.2021</a:t>
+              <a:t>03.12.2021</a:t>
             </a:fld>
             <a:endParaRPr lang="ru-RU"/>
           </a:p>
@@ -13319,6 +13324,13 @@
   <p:clrMapOvr>
     <a:masterClrMapping/>
   </p:clrMapOvr>
+  <p:timing>
+    <p:tnLst>
+      <p:par>
+        <p:cTn id="1" dur="indefinite" restart="never" nodeType="tmRoot"/>
+      </p:par>
+    </p:tnLst>
+  </p:timing>
 </p:sld>
 </file>
 
@@ -13372,7 +13384,12 @@
             <p:ph idx="1"/>
           </p:nvPr>
         </p:nvSpPr>
-        <p:spPr/>
+        <p:spPr>
+          <a:xfrm>
+            <a:off x="469154" y="2445238"/>
+            <a:ext cx="11215823" cy="1885461"/>
+          </a:xfrm>
+        </p:spPr>
         <p:txBody>
           <a:bodyPr/>
           <a:lstStyle/>
@@ -13381,32 +13398,90 @@
               <a:buNone/>
             </a:pPr>
             <a:r>
-              <a:rPr lang="ru-RU" dirty="0" smtClean="0"/>
-              <a:t>Если у вас под рукой не оказалось лицензионной копии </a:t>
+              <a:rPr lang="ru-RU" sz="2400" dirty="0" smtClean="0"/>
+              <a:t>	Если </a:t>
             </a:r>
             <a:r>
-              <a:rPr lang="en-US" dirty="0" err="1" smtClean="0"/>
+              <a:rPr lang="ru-RU" sz="2400" dirty="0" smtClean="0"/>
+              <a:t>у вас под рукой не оказалось лицензионной копии </a:t>
+            </a:r>
+            <a:r>
+              <a:rPr lang="en-US" sz="2400" dirty="0" err="1" smtClean="0"/>
               <a:t>minecraft</a:t>
             </a:r>
             <a:r>
-              <a:rPr lang="en-US" dirty="0" smtClean="0"/>
+              <a:rPr lang="en-US" sz="2400" dirty="0" smtClean="0"/>
               <a:t> </a:t>
             </a:r>
             <a:r>
-              <a:rPr lang="ru-RU" dirty="0" smtClean="0"/>
+              <a:rPr lang="ru-RU" sz="2400" dirty="0" smtClean="0"/>
               <a:t>а вкусить кубической эстетики хочется, то мы даем такую возможность, а также познакомим вас с жанром </a:t>
             </a:r>
             <a:r>
-              <a:rPr lang="ru-RU" dirty="0" err="1" smtClean="0"/>
+              <a:rPr lang="ru-RU" sz="2400" dirty="0" err="1" smtClean="0"/>
               <a:t>кликеров</a:t>
             </a:r>
             <a:r>
-              <a:rPr lang="ru-RU" dirty="0" smtClean="0"/>
+              <a:rPr lang="ru-RU" sz="2400" dirty="0" smtClean="0"/>
               <a:t>.</a:t>
             </a:r>
           </a:p>
+          <a:p>
+            <a:pPr marL="0" indent="0">
+              <a:buNone/>
+            </a:pPr>
+            <a:endParaRPr lang="ru-RU" dirty="0" smtClean="0"/>
+          </a:p>
         </p:txBody>
       </p:sp>
+      <p:pic>
+        <p:nvPicPr>
+          <p:cNvPr id="7" name="Рисунок 6"/>
+          <p:cNvPicPr>
+            <a:picLocks noChangeAspect="1"/>
+          </p:cNvPicPr>
+          <p:nvPr/>
+        </p:nvPicPr>
+        <p:blipFill>
+          <a:blip r:embed="rId2"/>
+          <a:stretch>
+            <a:fillRect/>
+          </a:stretch>
+        </p:blipFill>
+        <p:spPr>
+          <a:xfrm>
+            <a:off x="6263284" y="4330699"/>
+            <a:ext cx="5421693" cy="2395894"/>
+          </a:xfrm>
+          <a:prstGeom prst="rect">
+            <a:avLst/>
+          </a:prstGeom>
+        </p:spPr>
+      </p:pic>
+      <p:pic>
+        <p:nvPicPr>
+          <p:cNvPr id="8" name="Рисунок 7"/>
+          <p:cNvPicPr>
+            <a:picLocks noChangeAspect="1"/>
+          </p:cNvPicPr>
+          <p:nvPr/>
+        </p:nvPicPr>
+        <p:blipFill>
+          <a:blip r:embed="rId3"/>
+          <a:stretch>
+            <a:fillRect/>
+          </a:stretch>
+        </p:blipFill>
+        <p:spPr>
+          <a:xfrm>
+            <a:off x="469154" y="4330698"/>
+            <a:ext cx="4322654" cy="2376251"/>
+          </a:xfrm>
+          <a:prstGeom prst="rect">
+            <a:avLst/>
+          </a:prstGeom>
+        </p:spPr>
+      </p:pic>
     </p:spTree>
     <p:extLst>
       <p:ext uri="{BB962C8B-B14F-4D97-AF65-F5344CB8AC3E}">
@@ -13417,6 +13492,13 @@
   <p:clrMapOvr>
     <a:masterClrMapping/>
   </p:clrMapOvr>
+  <p:timing>
+    <p:tnLst>
+      <p:par>
+        <p:cTn id="1" dur="indefinite" restart="never" nodeType="tmRoot"/>
+      </p:par>
+    </p:tnLst>
+  </p:timing>
 </p:sld>
 </file>
 
@@ -13470,11 +13552,19 @@
             <p:ph idx="1"/>
           </p:nvPr>
         </p:nvSpPr>
-        <p:spPr/>
+        <p:spPr>
+          <a:xfrm>
+            <a:off x="1154954" y="2603500"/>
+            <a:ext cx="10433308" cy="3416300"/>
+          </a:xfrm>
+        </p:spPr>
         <p:txBody>
           <a:bodyPr/>
           <a:lstStyle/>
           <a:p>
+            <a:pPr marL="0" indent="0">
+              <a:buNone/>
+            </a:pPr>
             <a:r>
               <a:rPr lang="ru-RU" dirty="0" smtClean="0"/>
               <a:t>Кликая по разным объектам вы получаете различные ресурсы, с помощью которых вы можете смастерить другие ресурсы или инструменты.</a:t>
@@ -13483,6 +13573,30 @@
           </a:p>
         </p:txBody>
       </p:sp>
+      <p:pic>
+        <p:nvPicPr>
+          <p:cNvPr id="4" name="Рисунок 3"/>
+          <p:cNvPicPr>
+            <a:picLocks noChangeAspect="1"/>
+          </p:cNvPicPr>
+          <p:nvPr/>
+        </p:nvPicPr>
+        <p:blipFill>
+          <a:blip r:embed="rId2"/>
+          <a:stretch>
+            <a:fillRect/>
+          </a:stretch>
+        </p:blipFill>
+        <p:spPr>
+          <a:xfrm>
+            <a:off x="2648317" y="3442305"/>
+            <a:ext cx="6777037" cy="3074540"/>
+          </a:xfrm>
+          <a:prstGeom prst="rect">
+            <a:avLst/>
+          </a:prstGeom>
+        </p:spPr>
+      </p:pic>
     </p:spTree>
     <p:extLst>
       <p:ext uri="{BB962C8B-B14F-4D97-AF65-F5344CB8AC3E}">
@@ -13493,6 +13607,13 @@
   <p:clrMapOvr>
     <a:masterClrMapping/>
   </p:clrMapOvr>
+  <p:timing>
+    <p:tnLst>
+      <p:par>
+        <p:cTn id="1" dur="indefinite" restart="never" nodeType="tmRoot"/>
+      </p:par>
+    </p:tnLst>
+  </p:timing>
 </p:sld>
 </file>
 
@@ -13570,6 +13691,30 @@
           </a:p>
         </p:txBody>
       </p:sp>
+      <p:pic>
+        <p:nvPicPr>
+          <p:cNvPr id="4" name="Рисунок 3"/>
+          <p:cNvPicPr>
+            <a:picLocks noChangeAspect="1"/>
+          </p:cNvPicPr>
+          <p:nvPr/>
+        </p:nvPicPr>
+        <p:blipFill>
+          <a:blip r:embed="rId2"/>
+          <a:stretch>
+            <a:fillRect/>
+          </a:stretch>
+        </p:blipFill>
+        <p:spPr>
+          <a:xfrm>
+            <a:off x="3328241" y="3429978"/>
+            <a:ext cx="4414838" cy="2940769"/>
+          </a:xfrm>
+          <a:prstGeom prst="rect">
+            <a:avLst/>
+          </a:prstGeom>
+        </p:spPr>
+      </p:pic>
     </p:spTree>
     <p:extLst>
       <p:ext uri="{BB962C8B-B14F-4D97-AF65-F5344CB8AC3E}">
@@ -13580,6 +13725,13 @@
   <p:clrMapOvr>
     <a:masterClrMapping/>
   </p:clrMapOvr>
+  <p:timing>
+    <p:tnLst>
+      <p:par>
+        <p:cTn id="1" dur="indefinite" restart="never" nodeType="tmRoot"/>
+      </p:par>
+    </p:tnLst>
+  </p:timing>
 </p:sld>
 </file>
 
@@ -13633,64 +13785,71 @@
             <p:ph idx="1"/>
           </p:nvPr>
         </p:nvSpPr>
-        <p:spPr/>
+        <p:spPr>
+          <a:xfrm>
+            <a:off x="378069" y="2603500"/>
+            <a:ext cx="11289323" cy="4025900"/>
+          </a:xfrm>
+        </p:spPr>
         <p:txBody>
-          <a:bodyPr/>
+          <a:bodyPr>
+            <a:normAutofit/>
+          </a:bodyPr>
           <a:lstStyle/>
           <a:p>
             <a:r>
-              <a:rPr lang="ru-RU" dirty="0" smtClean="0"/>
+              <a:rPr lang="ru-RU" sz="2400" dirty="0" smtClean="0"/>
               <a:t>Загайнов Михаил – 3 года обучения в </a:t>
             </a:r>
             <a:r>
-              <a:rPr lang="ru-RU" dirty="0" err="1" smtClean="0"/>
+              <a:rPr lang="ru-RU" sz="2400" dirty="0" err="1" smtClean="0"/>
               <a:t>ИжГТУ</a:t>
             </a:r>
             <a:r>
-              <a:rPr lang="ru-RU" dirty="0" smtClean="0"/>
+              <a:rPr lang="ru-RU" sz="2400" dirty="0" smtClean="0"/>
               <a:t>, по направлению «Программная инженерия».</a:t>
             </a:r>
           </a:p>
           <a:p>
             <a:r>
-              <a:rPr lang="ru-RU" dirty="0" smtClean="0"/>
+              <a:rPr lang="ru-RU" sz="2400" dirty="0" smtClean="0"/>
               <a:t>Королев Данила – 3 года обучения в </a:t>
             </a:r>
             <a:r>
-              <a:rPr lang="ru-RU" dirty="0" err="1" smtClean="0"/>
+              <a:rPr lang="ru-RU" sz="2400" dirty="0" err="1" smtClean="0"/>
               <a:t>ИжГТУ</a:t>
             </a:r>
             <a:r>
-              <a:rPr lang="ru-RU" dirty="0" smtClean="0"/>
+              <a:rPr lang="ru-RU" sz="2400" dirty="0" smtClean="0"/>
               <a:t>, по направлению «Программная инженерия».</a:t>
             </a:r>
           </a:p>
           <a:p>
             <a:r>
-              <a:rPr lang="ru-RU" dirty="0" smtClean="0"/>
+              <a:rPr lang="ru-RU" sz="2400" dirty="0" smtClean="0"/>
               <a:t>Христофоров Андрей</a:t>
             </a:r>
             <a:r>
-              <a:rPr lang="en-US" dirty="0"/>
+              <a:rPr lang="en-US" sz="2400" dirty="0"/>
               <a:t> </a:t>
             </a:r>
             <a:r>
-              <a:rPr lang="en-US" dirty="0" smtClean="0"/>
+              <a:rPr lang="en-US" sz="2400" dirty="0" smtClean="0"/>
               <a:t>– 3 </a:t>
             </a:r>
             <a:r>
-              <a:rPr lang="ru-RU" dirty="0" smtClean="0"/>
+              <a:rPr lang="ru-RU" sz="2400" dirty="0" smtClean="0"/>
               <a:t>года обучения в </a:t>
             </a:r>
             <a:r>
-              <a:rPr lang="ru-RU" dirty="0" err="1" smtClean="0"/>
+              <a:rPr lang="ru-RU" sz="2400" dirty="0" err="1" smtClean="0"/>
               <a:t>ИжГТУ</a:t>
             </a:r>
             <a:r>
-              <a:rPr lang="ru-RU" dirty="0" smtClean="0"/>
+              <a:rPr lang="ru-RU" sz="2400" dirty="0" smtClean="0"/>
               <a:t>, по направлению «Программная инженерия».</a:t>
             </a:r>
-            <a:endParaRPr lang="ru-RU" dirty="0"/>
+            <a:endParaRPr lang="ru-RU" sz="2400" dirty="0"/>
           </a:p>
         </p:txBody>
       </p:sp>
@@ -13704,6 +13863,13 @@
   <p:clrMapOvr>
     <a:masterClrMapping/>
   </p:clrMapOvr>
+  <p:timing>
+    <p:tnLst>
+      <p:par>
+        <p:cTn id="1" dur="indefinite" restart="never" nodeType="tmRoot"/>
+      </p:par>
+    </p:tnLst>
+  </p:timing>
 </p:sld>
 </file>
 
@@ -13776,12 +13942,72 @@
             </a:pPr>
             <a:r>
               <a:rPr lang="ru-RU" dirty="0" smtClean="0"/>
-              <a:t>+78005553535</a:t>
+              <a:t>+</a:t>
+            </a:r>
+            <a:r>
+              <a:rPr lang="ru-RU" dirty="0" smtClean="0"/>
+              <a:t>78005553535										</a:t>
+            </a:r>
+            <a:r>
+              <a:rPr lang="en-US" dirty="0" smtClean="0"/>
+              <a:t>mineclick</a:t>
+            </a:r>
+            <a:r>
+              <a:rPr lang="en-US" dirty="0" smtClean="0"/>
+              <a:t>@google.com</a:t>
             </a:r>
             <a:endParaRPr lang="ru-RU" dirty="0"/>
           </a:p>
         </p:txBody>
       </p:sp>
+      <p:pic>
+        <p:nvPicPr>
+          <p:cNvPr id="4" name="Рисунок 3"/>
+          <p:cNvPicPr>
+            <a:picLocks noChangeAspect="1"/>
+          </p:cNvPicPr>
+          <p:nvPr/>
+        </p:nvPicPr>
+        <p:blipFill>
+          <a:blip r:embed="rId2"/>
+          <a:stretch>
+            <a:fillRect/>
+          </a:stretch>
+        </p:blipFill>
+        <p:spPr>
+          <a:xfrm>
+            <a:off x="1600538" y="3453356"/>
+            <a:ext cx="3967245" cy="3404644"/>
+          </a:xfrm>
+          <a:prstGeom prst="rect">
+            <a:avLst/>
+          </a:prstGeom>
+        </p:spPr>
+      </p:pic>
+      <p:pic>
+        <p:nvPicPr>
+          <p:cNvPr id="5" name="Рисунок 4"/>
+          <p:cNvPicPr>
+            <a:picLocks noChangeAspect="1"/>
+          </p:cNvPicPr>
+          <p:nvPr/>
+        </p:nvPicPr>
+        <p:blipFill>
+          <a:blip r:embed="rId3"/>
+          <a:stretch>
+            <a:fillRect/>
+          </a:stretch>
+        </p:blipFill>
+        <p:spPr>
+          <a:xfrm>
+            <a:off x="7248526" y="3604846"/>
+            <a:ext cx="4393148" cy="3253154"/>
+          </a:xfrm>
+          <a:prstGeom prst="rect">
+            <a:avLst/>
+          </a:prstGeom>
+        </p:spPr>
+      </p:pic>
     </p:spTree>
     <p:extLst>
       <p:ext uri="{BB962C8B-B14F-4D97-AF65-F5344CB8AC3E}">
@@ -13792,6 +14018,13 @@
   <p:clrMapOvr>
     <a:masterClrMapping/>
   </p:clrMapOvr>
+  <p:timing>
+    <p:tnLst>
+      <p:par>
+        <p:cTn id="1" dur="indefinite" restart="never" nodeType="tmRoot"/>
+      </p:par>
+    </p:tnLst>
+  </p:timing>
 </p:sld>
 </file>
 
